--- a/Presentations/codecampintro/g3a_ccintro.pptx
+++ b/Presentations/codecampintro/g3a_ccintro.pptx
@@ -5,14 +5,18 @@
     <p:sldMasterId id="2147483648" r:id="rId1"/>
   </p:sldMasterIdLst>
   <p:notesMasterIdLst>
-    <p:notesMasterId r:id="rId4"/>
+    <p:notesMasterId r:id="rId8"/>
   </p:notesMasterIdLst>
   <p:handoutMasterIdLst>
-    <p:handoutMasterId r:id="rId5"/>
+    <p:handoutMasterId r:id="rId9"/>
   </p:handoutMasterIdLst>
   <p:sldIdLst>
     <p:sldId id="262" r:id="rId2"/>
     <p:sldId id="261" r:id="rId3"/>
+    <p:sldId id="263" r:id="rId4"/>
+    <p:sldId id="264" r:id="rId5"/>
+    <p:sldId id="265" r:id="rId6"/>
+    <p:sldId id="266" r:id="rId7"/>
   </p:sldIdLst>
   <p:sldSz cx="9144000" cy="6858000" type="screen4x3"/>
   <p:notesSz cx="6858000" cy="9144000"/>
@@ -2882,6 +2886,14 @@
   <p:clrMapOvr>
     <a:masterClrMapping/>
   </p:clrMapOvr>
+  <mc:AlternateContent xmlns:mc="http://schemas.openxmlformats.org/markup-compatibility/2006">
+    <mc:Choice xmlns:p14="http://schemas.microsoft.com/office/powerpoint/2010/main" Requires="p14">
+      <p:transition p14:dur="0"/>
+    </mc:Choice>
+    <mc:Fallback>
+      <p:transition xmlns:p14="http://schemas.microsoft.com/office/powerpoint/2010/main"/>
+    </mc:Fallback>
+  </mc:AlternateContent>
   <p:timing>
     <p:tnLst>
       <p:par>
@@ -3048,8 +3060,8 @@
         </p:nvSpPr>
         <p:spPr>
           <a:xfrm>
-            <a:off x="3910364" y="2902803"/>
-            <a:ext cx="1300055" cy="830997"/>
+            <a:off x="3631517" y="2902803"/>
+            <a:ext cx="1857750" cy="1200329"/>
           </a:xfrm>
           <a:prstGeom prst="rect">
             <a:avLst/>
@@ -3064,7 +3076,7 @@
           <a:p>
             <a:pPr algn="ctr"/>
             <a:r>
-              <a:rPr lang="en-US" sz="4800" dirty="0" smtClean="0">
+              <a:rPr lang="en-US" sz="7200" dirty="0" smtClean="0">
                 <a:solidFill>
                   <a:schemeClr val="bg1"/>
                 </a:solidFill>
@@ -3072,7 +3084,48 @@
               </a:rPr>
               <a:t>G3A</a:t>
             </a:r>
-            <a:endParaRPr lang="en-US" sz="4800" dirty="0">
+            <a:endParaRPr lang="en-US" sz="7200" dirty="0">
+              <a:solidFill>
+                <a:schemeClr val="bg1"/>
+              </a:solidFill>
+              <a:latin typeface="Segoe UI Light" pitchFamily="34" charset="0"/>
+            </a:endParaRPr>
+          </a:p>
+        </p:txBody>
+      </p:sp>
+      <p:sp>
+        <p:nvSpPr>
+          <p:cNvPr id="2" name="TextBox 1"/>
+          <p:cNvSpPr txBox="1"/>
+          <p:nvPr/>
+        </p:nvSpPr>
+        <p:spPr>
+          <a:xfrm>
+            <a:off x="228600" y="4343400"/>
+            <a:ext cx="8686800" cy="830997"/>
+          </a:xfrm>
+          <a:prstGeom prst="rect">
+            <a:avLst/>
+          </a:prstGeom>
+          <a:noFill/>
+        </p:spPr>
+        <p:txBody>
+          <a:bodyPr wrap="square" rtlCol="0">
+            <a:spAutoFit/>
+          </a:bodyPr>
+          <a:lstStyle/>
+          <a:p>
+            <a:pPr algn="ctr"/>
+            <a:r>
+              <a:rPr lang="en-US" sz="4800" dirty="0" smtClean="0">
+                <a:solidFill>
+                  <a:schemeClr val="bg1"/>
+                </a:solidFill>
+                <a:latin typeface="Segoe UI Light" pitchFamily="34" charset="0"/>
+              </a:rPr>
+              <a:t>Crowdsource your social network </a:t>
+            </a:r>
+            <a:endParaRPr lang="en-US" sz="4800" dirty="0" smtClean="0">
               <a:solidFill>
                 <a:schemeClr val="bg1"/>
               </a:solidFill>
@@ -3085,6 +3138,502 @@
     <p:extLst>
       <p:ext uri="{BB962C8B-B14F-4D97-AF65-F5344CB8AC3E}">
         <p14:creationId xmlns:p14="http://schemas.microsoft.com/office/powerpoint/2010/main" val="1427025965"/>
+      </p:ext>
+    </p:extLst>
+  </p:cSld>
+  <p:clrMapOvr>
+    <a:masterClrMapping/>
+  </p:clrMapOvr>
+  <mc:AlternateContent xmlns:mc="http://schemas.openxmlformats.org/markup-compatibility/2006">
+    <mc:Choice xmlns:p14="http://schemas.microsoft.com/office/powerpoint/2010/main" Requires="p14">
+      <p:transition spd="med" p14:dur="700">
+        <p:fade/>
+      </p:transition>
+    </mc:Choice>
+    <mc:Fallback>
+      <p:transition xmlns:p14="http://schemas.microsoft.com/office/powerpoint/2010/main" spd="med">
+        <p:fade/>
+      </p:transition>
+    </mc:Fallback>
+  </mc:AlternateContent>
+  <p:timing>
+    <p:tnLst>
+      <p:par>
+        <p:cTn xmlns:p14="http://schemas.microsoft.com/office/powerpoint/2010/main" id="1" dur="indefinite" restart="never" nodeType="tmRoot"/>
+      </p:par>
+    </p:tnLst>
+  </p:timing>
+</p:sld>
+</file>
+
+<file path=ppt/slides/slide3.xml><?xml version="1.0" encoding="utf-8"?>
+<p:sld xmlns:a="http://schemas.openxmlformats.org/drawingml/2006/main" xmlns:r="http://schemas.openxmlformats.org/officeDocument/2006/relationships" xmlns:p="http://schemas.openxmlformats.org/presentationml/2006/main">
+  <p:cSld>
+    <p:spTree>
+      <p:nvGrpSpPr>
+        <p:cNvPr id="1" name=""/>
+        <p:cNvGrpSpPr/>
+        <p:nvPr/>
+      </p:nvGrpSpPr>
+      <p:grpSpPr>
+        <a:xfrm>
+          <a:off x="0" y="0"/>
+          <a:ext cx="0" cy="0"/>
+          <a:chOff x="0" y="0"/>
+          <a:chExt cx="0" cy="0"/>
+        </a:xfrm>
+      </p:grpSpPr>
+      <p:sp>
+        <p:nvSpPr>
+          <p:cNvPr id="2" name="TextBox 1"/>
+          <p:cNvSpPr txBox="1"/>
+          <p:nvPr/>
+        </p:nvSpPr>
+        <p:spPr>
+          <a:xfrm>
+            <a:off x="304800" y="152400"/>
+            <a:ext cx="6934200" cy="1107996"/>
+          </a:xfrm>
+          <a:prstGeom prst="rect">
+            <a:avLst/>
+          </a:prstGeom>
+          <a:noFill/>
+        </p:spPr>
+        <p:txBody>
+          <a:bodyPr wrap="square" rtlCol="0">
+            <a:spAutoFit/>
+          </a:bodyPr>
+          <a:lstStyle/>
+          <a:p>
+            <a:r>
+              <a:rPr lang="en-US" sz="6600" dirty="0" smtClean="0">
+                <a:solidFill>
+                  <a:schemeClr val="bg1"/>
+                </a:solidFill>
+                <a:latin typeface="Segoe UI Light" pitchFamily="34" charset="0"/>
+              </a:rPr>
+              <a:t>The Why</a:t>
+            </a:r>
+            <a:endParaRPr lang="en-US" sz="6600" dirty="0" smtClean="0">
+              <a:solidFill>
+                <a:schemeClr val="bg1"/>
+              </a:solidFill>
+              <a:latin typeface="Segoe UI Light" pitchFamily="34" charset="0"/>
+            </a:endParaRPr>
+          </a:p>
+        </p:txBody>
+      </p:sp>
+      <p:sp>
+        <p:nvSpPr>
+          <p:cNvPr id="3" name="TextBox 2"/>
+          <p:cNvSpPr txBox="1"/>
+          <p:nvPr/>
+        </p:nvSpPr>
+        <p:spPr>
+          <a:xfrm>
+            <a:off x="304800" y="1371600"/>
+            <a:ext cx="8458200" cy="830997"/>
+          </a:xfrm>
+          <a:prstGeom prst="rect">
+            <a:avLst/>
+          </a:prstGeom>
+          <a:noFill/>
+        </p:spPr>
+        <p:txBody>
+          <a:bodyPr wrap="square" rtlCol="0">
+            <a:spAutoFit/>
+          </a:bodyPr>
+          <a:lstStyle/>
+          <a:p>
+            <a:pPr marL="685800" indent="-685800">
+              <a:buFont typeface="Arial"/>
+              <a:buChar char="•"/>
+            </a:pPr>
+            <a:r>
+              <a:rPr lang="en-US" sz="4800" dirty="0" smtClean="0">
+                <a:solidFill>
+                  <a:schemeClr val="bg1"/>
+                </a:solidFill>
+                <a:latin typeface="Segoe UI Light" pitchFamily="34" charset="0"/>
+              </a:rPr>
+              <a:t>Why</a:t>
+            </a:r>
+            <a:endParaRPr lang="en-US" sz="4800" dirty="0" smtClean="0">
+              <a:solidFill>
+                <a:schemeClr val="bg1"/>
+              </a:solidFill>
+              <a:latin typeface="Segoe UI Light" pitchFamily="34" charset="0"/>
+            </a:endParaRPr>
+          </a:p>
+        </p:txBody>
+      </p:sp>
+    </p:spTree>
+    <p:extLst>
+      <p:ext uri="{BB962C8B-B14F-4D97-AF65-F5344CB8AC3E}">
+        <p14:creationId xmlns:p14="http://schemas.microsoft.com/office/powerpoint/2010/main" val="3265527036"/>
+      </p:ext>
+    </p:extLst>
+  </p:cSld>
+  <p:clrMapOvr>
+    <a:masterClrMapping/>
+  </p:clrMapOvr>
+  <p:timing>
+    <p:tnLst>
+      <p:par>
+        <p:cTn xmlns:p14="http://schemas.microsoft.com/office/powerpoint/2010/main" id="1" dur="indefinite" restart="never" nodeType="tmRoot"/>
+      </p:par>
+    </p:tnLst>
+  </p:timing>
+</p:sld>
+</file>
+
+<file path=ppt/slides/slide4.xml><?xml version="1.0" encoding="utf-8"?>
+<p:sld xmlns:a="http://schemas.openxmlformats.org/drawingml/2006/main" xmlns:r="http://schemas.openxmlformats.org/officeDocument/2006/relationships" xmlns:p="http://schemas.openxmlformats.org/presentationml/2006/main">
+  <p:cSld>
+    <p:spTree>
+      <p:nvGrpSpPr>
+        <p:cNvPr id="1" name=""/>
+        <p:cNvGrpSpPr/>
+        <p:nvPr/>
+      </p:nvGrpSpPr>
+      <p:grpSpPr>
+        <a:xfrm>
+          <a:off x="0" y="0"/>
+          <a:ext cx="0" cy="0"/>
+          <a:chOff x="0" y="0"/>
+          <a:chExt cx="0" cy="0"/>
+        </a:xfrm>
+      </p:grpSpPr>
+      <p:sp>
+        <p:nvSpPr>
+          <p:cNvPr id="2" name="TextBox 1"/>
+          <p:cNvSpPr txBox="1"/>
+          <p:nvPr/>
+        </p:nvSpPr>
+        <p:spPr>
+          <a:xfrm>
+            <a:off x="304800" y="152400"/>
+            <a:ext cx="6934200" cy="1107996"/>
+          </a:xfrm>
+          <a:prstGeom prst="rect">
+            <a:avLst/>
+          </a:prstGeom>
+          <a:noFill/>
+        </p:spPr>
+        <p:txBody>
+          <a:bodyPr wrap="square" rtlCol="0">
+            <a:spAutoFit/>
+          </a:bodyPr>
+          <a:lstStyle/>
+          <a:p>
+            <a:r>
+              <a:rPr lang="en-US" sz="6600" dirty="0" smtClean="0">
+                <a:solidFill>
+                  <a:schemeClr val="bg1"/>
+                </a:solidFill>
+                <a:latin typeface="Segoe UI Light" pitchFamily="34" charset="0"/>
+              </a:rPr>
+              <a:t>The How</a:t>
+            </a:r>
+            <a:endParaRPr lang="en-US" sz="6600" dirty="0" smtClean="0">
+              <a:solidFill>
+                <a:schemeClr val="bg1"/>
+              </a:solidFill>
+              <a:latin typeface="Segoe UI Light" pitchFamily="34" charset="0"/>
+            </a:endParaRPr>
+          </a:p>
+        </p:txBody>
+      </p:sp>
+      <p:sp>
+        <p:nvSpPr>
+          <p:cNvPr id="3" name="TextBox 2"/>
+          <p:cNvSpPr txBox="1"/>
+          <p:nvPr/>
+        </p:nvSpPr>
+        <p:spPr>
+          <a:xfrm>
+            <a:off x="304800" y="1371600"/>
+            <a:ext cx="8458200" cy="830997"/>
+          </a:xfrm>
+          <a:prstGeom prst="rect">
+            <a:avLst/>
+          </a:prstGeom>
+          <a:noFill/>
+        </p:spPr>
+        <p:txBody>
+          <a:bodyPr wrap="square" rtlCol="0">
+            <a:spAutoFit/>
+          </a:bodyPr>
+          <a:lstStyle/>
+          <a:p>
+            <a:pPr marL="685800" indent="-685800">
+              <a:buFont typeface="Arial"/>
+              <a:buChar char="•"/>
+            </a:pPr>
+            <a:r>
+              <a:rPr lang="en-US" sz="4800" dirty="0" smtClean="0">
+                <a:solidFill>
+                  <a:schemeClr val="bg1"/>
+                </a:solidFill>
+                <a:latin typeface="Segoe UI Light" pitchFamily="34" charset="0"/>
+              </a:rPr>
+              <a:t>Why</a:t>
+            </a:r>
+            <a:endParaRPr lang="en-US" sz="4800" dirty="0" smtClean="0">
+              <a:solidFill>
+                <a:schemeClr val="bg1"/>
+              </a:solidFill>
+              <a:latin typeface="Segoe UI Light" pitchFamily="34" charset="0"/>
+            </a:endParaRPr>
+          </a:p>
+        </p:txBody>
+      </p:sp>
+    </p:spTree>
+    <p:extLst>
+      <p:ext uri="{BB962C8B-B14F-4D97-AF65-F5344CB8AC3E}">
+        <p14:creationId xmlns:p14="http://schemas.microsoft.com/office/powerpoint/2010/main" val="4182597883"/>
+      </p:ext>
+    </p:extLst>
+  </p:cSld>
+  <p:clrMapOvr>
+    <a:masterClrMapping/>
+  </p:clrMapOvr>
+  <p:timing>
+    <p:tnLst>
+      <p:par>
+        <p:cTn xmlns:p14="http://schemas.microsoft.com/office/powerpoint/2010/main" id="1" dur="indefinite" restart="never" nodeType="tmRoot"/>
+      </p:par>
+    </p:tnLst>
+  </p:timing>
+</p:sld>
+</file>
+
+<file path=ppt/slides/slide5.xml><?xml version="1.0" encoding="utf-8"?>
+<p:sld xmlns:a="http://schemas.openxmlformats.org/drawingml/2006/main" xmlns:r="http://schemas.openxmlformats.org/officeDocument/2006/relationships" xmlns:p="http://schemas.openxmlformats.org/presentationml/2006/main">
+  <p:cSld>
+    <p:spTree>
+      <p:nvGrpSpPr>
+        <p:cNvPr id="1" name=""/>
+        <p:cNvGrpSpPr/>
+        <p:nvPr/>
+      </p:nvGrpSpPr>
+      <p:grpSpPr>
+        <a:xfrm>
+          <a:off x="0" y="0"/>
+          <a:ext cx="0" cy="0"/>
+          <a:chOff x="0" y="0"/>
+          <a:chExt cx="0" cy="0"/>
+        </a:xfrm>
+      </p:grpSpPr>
+      <p:sp>
+        <p:nvSpPr>
+          <p:cNvPr id="2" name="TextBox 1"/>
+          <p:cNvSpPr txBox="1"/>
+          <p:nvPr/>
+        </p:nvSpPr>
+        <p:spPr>
+          <a:xfrm>
+            <a:off x="304800" y="152400"/>
+            <a:ext cx="6934200" cy="1107996"/>
+          </a:xfrm>
+          <a:prstGeom prst="rect">
+            <a:avLst/>
+          </a:prstGeom>
+          <a:noFill/>
+        </p:spPr>
+        <p:txBody>
+          <a:bodyPr wrap="square" rtlCol="0">
+            <a:spAutoFit/>
+          </a:bodyPr>
+          <a:lstStyle/>
+          <a:p>
+            <a:r>
+              <a:rPr lang="en-US" sz="6600" dirty="0" smtClean="0">
+                <a:solidFill>
+                  <a:schemeClr val="bg1"/>
+                </a:solidFill>
+                <a:latin typeface="Segoe UI Light" pitchFamily="34" charset="0"/>
+              </a:rPr>
+              <a:t>The With</a:t>
+            </a:r>
+            <a:endParaRPr lang="en-US" sz="6600" dirty="0" smtClean="0">
+              <a:solidFill>
+                <a:schemeClr val="bg1"/>
+              </a:solidFill>
+              <a:latin typeface="Segoe UI Light" pitchFamily="34" charset="0"/>
+            </a:endParaRPr>
+          </a:p>
+        </p:txBody>
+      </p:sp>
+      <p:sp>
+        <p:nvSpPr>
+          <p:cNvPr id="3" name="TextBox 2"/>
+          <p:cNvSpPr txBox="1"/>
+          <p:nvPr/>
+        </p:nvSpPr>
+        <p:spPr>
+          <a:xfrm>
+            <a:off x="304800" y="1371600"/>
+            <a:ext cx="8458200" cy="830997"/>
+          </a:xfrm>
+          <a:prstGeom prst="rect">
+            <a:avLst/>
+          </a:prstGeom>
+          <a:noFill/>
+        </p:spPr>
+        <p:txBody>
+          <a:bodyPr wrap="square" rtlCol="0">
+            <a:spAutoFit/>
+          </a:bodyPr>
+          <a:lstStyle/>
+          <a:p>
+            <a:pPr marL="685800" indent="-685800">
+              <a:buFont typeface="Arial"/>
+              <a:buChar char="•"/>
+            </a:pPr>
+            <a:r>
+              <a:rPr lang="en-US" sz="4800" dirty="0" smtClean="0">
+                <a:solidFill>
+                  <a:schemeClr val="bg1"/>
+                </a:solidFill>
+                <a:latin typeface="Segoe UI Light" pitchFamily="34" charset="0"/>
+              </a:rPr>
+              <a:t>Why</a:t>
+            </a:r>
+            <a:endParaRPr lang="en-US" sz="4800" dirty="0" smtClean="0">
+              <a:solidFill>
+                <a:schemeClr val="bg1"/>
+              </a:solidFill>
+              <a:latin typeface="Segoe UI Light" pitchFamily="34" charset="0"/>
+            </a:endParaRPr>
+          </a:p>
+        </p:txBody>
+      </p:sp>
+    </p:spTree>
+    <p:extLst>
+      <p:ext uri="{BB962C8B-B14F-4D97-AF65-F5344CB8AC3E}">
+        <p14:creationId xmlns:p14="http://schemas.microsoft.com/office/powerpoint/2010/main" val="211361760"/>
+      </p:ext>
+    </p:extLst>
+  </p:cSld>
+  <p:clrMapOvr>
+    <a:masterClrMapping/>
+  </p:clrMapOvr>
+  <p:timing>
+    <p:tnLst>
+      <p:par>
+        <p:cTn xmlns:p14="http://schemas.microsoft.com/office/powerpoint/2010/main" id="1" dur="indefinite" restart="never" nodeType="tmRoot"/>
+      </p:par>
+    </p:tnLst>
+  </p:timing>
+</p:sld>
+</file>
+
+<file path=ppt/slides/slide6.xml><?xml version="1.0" encoding="utf-8"?>
+<p:sld xmlns:a="http://schemas.openxmlformats.org/drawingml/2006/main" xmlns:r="http://schemas.openxmlformats.org/officeDocument/2006/relationships" xmlns:p="http://schemas.openxmlformats.org/presentationml/2006/main">
+  <p:cSld>
+    <p:spTree>
+      <p:nvGrpSpPr>
+        <p:cNvPr id="1" name=""/>
+        <p:cNvGrpSpPr/>
+        <p:nvPr/>
+      </p:nvGrpSpPr>
+      <p:grpSpPr>
+        <a:xfrm>
+          <a:off x="0" y="0"/>
+          <a:ext cx="0" cy="0"/>
+          <a:chOff x="0" y="0"/>
+          <a:chExt cx="0" cy="0"/>
+        </a:xfrm>
+      </p:grpSpPr>
+      <p:sp>
+        <p:nvSpPr>
+          <p:cNvPr id="2" name="TextBox 1"/>
+          <p:cNvSpPr txBox="1"/>
+          <p:nvPr/>
+        </p:nvSpPr>
+        <p:spPr>
+          <a:xfrm>
+            <a:off x="304800" y="152400"/>
+            <a:ext cx="6934200" cy="1107996"/>
+          </a:xfrm>
+          <a:prstGeom prst="rect">
+            <a:avLst/>
+          </a:prstGeom>
+          <a:noFill/>
+        </p:spPr>
+        <p:txBody>
+          <a:bodyPr wrap="square" rtlCol="0">
+            <a:spAutoFit/>
+          </a:bodyPr>
+          <a:lstStyle/>
+          <a:p>
+            <a:r>
+              <a:rPr lang="en-US" sz="6600" dirty="0" smtClean="0">
+                <a:solidFill>
+                  <a:schemeClr val="bg1"/>
+                </a:solidFill>
+                <a:latin typeface="Segoe UI Light" pitchFamily="34" charset="0"/>
+              </a:rPr>
+              <a:t>The End</a:t>
+            </a:r>
+            <a:endParaRPr lang="en-US" sz="6600" dirty="0" smtClean="0">
+              <a:solidFill>
+                <a:schemeClr val="bg1"/>
+              </a:solidFill>
+              <a:latin typeface="Segoe UI Light" pitchFamily="34" charset="0"/>
+            </a:endParaRPr>
+          </a:p>
+        </p:txBody>
+      </p:sp>
+      <p:sp>
+        <p:nvSpPr>
+          <p:cNvPr id="3" name="TextBox 2"/>
+          <p:cNvSpPr txBox="1"/>
+          <p:nvPr/>
+        </p:nvSpPr>
+        <p:spPr>
+          <a:xfrm>
+            <a:off x="304800" y="1371600"/>
+            <a:ext cx="8458200" cy="830997"/>
+          </a:xfrm>
+          <a:prstGeom prst="rect">
+            <a:avLst/>
+          </a:prstGeom>
+          <a:noFill/>
+        </p:spPr>
+        <p:txBody>
+          <a:bodyPr wrap="square" rtlCol="0">
+            <a:spAutoFit/>
+          </a:bodyPr>
+          <a:lstStyle/>
+          <a:p>
+            <a:pPr marL="685800" indent="-685800">
+              <a:buFont typeface="Arial"/>
+              <a:buChar char="•"/>
+            </a:pPr>
+            <a:r>
+              <a:rPr lang="en-US" sz="4800" dirty="0" smtClean="0">
+                <a:solidFill>
+                  <a:schemeClr val="bg1"/>
+                </a:solidFill>
+                <a:latin typeface="Segoe UI Light" pitchFamily="34" charset="0"/>
+              </a:rPr>
+              <a:t>Why</a:t>
+            </a:r>
+            <a:endParaRPr lang="en-US" sz="4800" dirty="0" smtClean="0">
+              <a:solidFill>
+                <a:schemeClr val="bg1"/>
+              </a:solidFill>
+              <a:latin typeface="Segoe UI Light" pitchFamily="34" charset="0"/>
+            </a:endParaRPr>
+          </a:p>
+        </p:txBody>
+      </p:sp>
+    </p:spTree>
+    <p:extLst>
+      <p:ext uri="{BB962C8B-B14F-4D97-AF65-F5344CB8AC3E}">
+        <p14:creationId xmlns:p14="http://schemas.microsoft.com/office/powerpoint/2010/main" val="1401413721"/>
       </p:ext>
     </p:extLst>
   </p:cSld>

--- a/Presentations/codecampintro/g3a_ccintro.pptx
+++ b/Presentations/codecampintro/g3a_ccintro.pptx
@@ -5,18 +5,20 @@
     <p:sldMasterId id="2147483648" r:id="rId1"/>
   </p:sldMasterIdLst>
   <p:notesMasterIdLst>
-    <p:notesMasterId r:id="rId8"/>
+    <p:notesMasterId r:id="rId10"/>
   </p:notesMasterIdLst>
   <p:handoutMasterIdLst>
-    <p:handoutMasterId r:id="rId9"/>
+    <p:handoutMasterId r:id="rId11"/>
   </p:handoutMasterIdLst>
   <p:sldIdLst>
     <p:sldId id="262" r:id="rId2"/>
     <p:sldId id="261" r:id="rId3"/>
     <p:sldId id="263" r:id="rId4"/>
-    <p:sldId id="264" r:id="rId5"/>
-    <p:sldId id="265" r:id="rId6"/>
-    <p:sldId id="266" r:id="rId7"/>
+    <p:sldId id="268" r:id="rId5"/>
+    <p:sldId id="264" r:id="rId6"/>
+    <p:sldId id="267" r:id="rId7"/>
+    <p:sldId id="265" r:id="rId8"/>
+    <p:sldId id="266" r:id="rId9"/>
   </p:sldIdLst>
   <p:sldSz cx="9144000" cy="6858000" type="screen4x3"/>
   <p:notesSz cx="6858000" cy="9144000"/>
@@ -2886,11 +2888,11 @@
   <p:clrMapOvr>
     <a:masterClrMapping/>
   </p:clrMapOvr>
-  <mc:AlternateContent xmlns:mc="http://schemas.openxmlformats.org/markup-compatibility/2006">
-    <mc:Choice xmlns:p14="http://schemas.microsoft.com/office/powerpoint/2010/main" Requires="p14">
+  <mc:AlternateContent xmlns:mc="http://schemas.openxmlformats.org/markup-compatibility/2006" xmlns:p14="http://schemas.microsoft.com/office/powerpoint/2010/main">
+    <mc:Choice Requires="p14">
       <p:transition p14:dur="0"/>
     </mc:Choice>
-    <mc:Fallback>
+    <mc:Fallback xmlns="">
       <p:transition xmlns:p14="http://schemas.microsoft.com/office/powerpoint/2010/main"/>
     </mc:Fallback>
   </mc:AlternateContent>
@@ -3125,12 +3127,6 @@
               </a:rPr>
               <a:t>Crowdsource your social network </a:t>
             </a:r>
-            <a:endParaRPr lang="en-US" sz="4800" dirty="0" smtClean="0">
-              <a:solidFill>
-                <a:schemeClr val="bg1"/>
-              </a:solidFill>
-              <a:latin typeface="Segoe UI Light" pitchFamily="34" charset="0"/>
-            </a:endParaRPr>
           </a:p>
         </p:txBody>
       </p:sp>
@@ -3144,13 +3140,13 @@
   <p:clrMapOvr>
     <a:masterClrMapping/>
   </p:clrMapOvr>
-  <mc:AlternateContent xmlns:mc="http://schemas.openxmlformats.org/markup-compatibility/2006">
-    <mc:Choice xmlns:p14="http://schemas.microsoft.com/office/powerpoint/2010/main" Requires="p14">
+  <mc:AlternateContent xmlns:mc="http://schemas.openxmlformats.org/markup-compatibility/2006" xmlns:p14="http://schemas.microsoft.com/office/powerpoint/2010/main">
+    <mc:Choice Requires="p14">
       <p:transition spd="med" p14:dur="700">
         <p:fade/>
       </p:transition>
     </mc:Choice>
-    <mc:Fallback>
+    <mc:Fallback xmlns="">
       <p:transition xmlns:p14="http://schemas.microsoft.com/office/powerpoint/2010/main" spd="med">
         <p:fade/>
       </p:transition>
@@ -3214,12 +3210,6 @@
               </a:rPr>
               <a:t>The Why</a:t>
             </a:r>
-            <a:endParaRPr lang="en-US" sz="6600" dirty="0" smtClean="0">
-              <a:solidFill>
-                <a:schemeClr val="bg1"/>
-              </a:solidFill>
-              <a:latin typeface="Segoe UI Light" pitchFamily="34" charset="0"/>
-            </a:endParaRPr>
           </a:p>
         </p:txBody>
       </p:sp>
@@ -3232,7 +3222,7 @@
         <p:spPr>
           <a:xfrm>
             <a:off x="304800" y="1371600"/>
-            <a:ext cx="8458200" cy="830997"/>
+            <a:ext cx="8458200" cy="4893647"/>
           </a:xfrm>
           <a:prstGeom prst="rect">
             <a:avLst/>
@@ -3256,7 +3246,82 @@
                 </a:solidFill>
                 <a:latin typeface="Segoe UI Light" pitchFamily="34" charset="0"/>
               </a:rPr>
-              <a:t>Why</a:t>
+              <a:t>Importance of social networks</a:t>
+            </a:r>
+          </a:p>
+          <a:p>
+            <a:pPr marL="685800" indent="-685800">
+              <a:buFont typeface="Arial"/>
+              <a:buChar char="•"/>
+            </a:pPr>
+            <a:r>
+              <a:rPr lang="en-US" sz="4800" dirty="0" smtClean="0">
+                <a:solidFill>
+                  <a:schemeClr val="bg1"/>
+                </a:solidFill>
+                <a:latin typeface="Segoe UI Light" pitchFamily="34" charset="0"/>
+              </a:rPr>
+              <a:t>Single point of failure</a:t>
+            </a:r>
+          </a:p>
+          <a:p>
+            <a:pPr marL="1143000" lvl="1" indent="-685800">
+              <a:buFont typeface="Arial"/>
+              <a:buChar char="•"/>
+            </a:pPr>
+            <a:r>
+              <a:rPr lang="en-US" sz="3600" dirty="0" smtClean="0">
+                <a:solidFill>
+                  <a:schemeClr val="bg1"/>
+                </a:solidFill>
+                <a:latin typeface="Segoe UI Light" pitchFamily="34" charset="0"/>
+              </a:rPr>
+              <a:t>Corporate spying</a:t>
+            </a:r>
+          </a:p>
+          <a:p>
+            <a:pPr marL="1143000" lvl="1" indent="-685800">
+              <a:buFont typeface="Arial"/>
+              <a:buChar char="•"/>
+            </a:pPr>
+            <a:r>
+              <a:rPr lang="en-US" sz="3600" dirty="0" smtClean="0">
+                <a:solidFill>
+                  <a:schemeClr val="bg1"/>
+                </a:solidFill>
+                <a:latin typeface="Segoe UI Light" pitchFamily="34" charset="0"/>
+              </a:rPr>
+              <a:t>Government censorship</a:t>
+            </a:r>
+          </a:p>
+          <a:p>
+            <a:pPr marL="685800" indent="-685800">
+              <a:buFont typeface="Arial"/>
+              <a:buChar char="•"/>
+            </a:pPr>
+            <a:r>
+              <a:rPr lang="en-US" sz="4800" dirty="0" smtClean="0">
+                <a:solidFill>
+                  <a:schemeClr val="bg1"/>
+                </a:solidFill>
+                <a:latin typeface="Segoe UI Light" pitchFamily="34" charset="0"/>
+              </a:rPr>
+              <a:t>Unexpected events</a:t>
+            </a:r>
+          </a:p>
+          <a:p>
+            <a:pPr marL="685800" indent="-685800">
+              <a:buFont typeface="Arial"/>
+              <a:buChar char="•"/>
+            </a:pPr>
+            <a:r>
+              <a:rPr lang="en-US" sz="4800" dirty="0" smtClean="0">
+                <a:solidFill>
+                  <a:schemeClr val="bg1"/>
+                </a:solidFill>
+                <a:latin typeface="Segoe UI Light" pitchFamily="34" charset="0"/>
+              </a:rPr>
+              <a:t>Ad-hoc social networking</a:t>
             </a:r>
             <a:endParaRPr lang="en-US" sz="4800" dirty="0" smtClean="0">
               <a:solidFill>
@@ -3290,6 +3355,14 @@
 <file path=ppt/slides/slide4.xml><?xml version="1.0" encoding="utf-8"?>
 <p:sld xmlns:a="http://schemas.openxmlformats.org/drawingml/2006/main" xmlns:r="http://schemas.openxmlformats.org/officeDocument/2006/relationships" xmlns:p="http://schemas.openxmlformats.org/presentationml/2006/main">
   <p:cSld>
+    <p:bg>
+      <p:bgPr>
+        <a:solidFill>
+          <a:schemeClr val="tx1"/>
+        </a:solidFill>
+        <a:effectLst/>
+      </p:bgPr>
+    </p:bg>
     <p:spTree>
       <p:nvGrpSpPr>
         <p:cNvPr id="1" name=""/>
@@ -3333,7 +3406,16 @@
                 </a:solidFill>
                 <a:latin typeface="Segoe UI Light" pitchFamily="34" charset="0"/>
               </a:rPr>
-              <a:t>The How</a:t>
+              <a:t>The </a:t>
+            </a:r>
+            <a:r>
+              <a:rPr lang="en-US" sz="6600" dirty="0" smtClean="0">
+                <a:solidFill>
+                  <a:schemeClr val="bg1"/>
+                </a:solidFill>
+                <a:latin typeface="Segoe UI Light" pitchFamily="34" charset="0"/>
+              </a:rPr>
+              <a:t>How</a:t>
             </a:r>
             <a:endParaRPr lang="en-US" sz="6600" dirty="0" smtClean="0">
               <a:solidFill>
@@ -3344,64 +3426,196 @@
           </a:p>
         </p:txBody>
       </p:sp>
-      <p:sp>
-        <p:nvSpPr>
-          <p:cNvPr id="3" name="TextBox 2"/>
-          <p:cNvSpPr txBox="1"/>
-          <p:nvPr/>
-        </p:nvSpPr>
+      <p:pic>
+        <p:nvPicPr>
+          <p:cNvPr id="5" name="g3a_movedemo.mov">
+            <a:hlinkClick r:id="" action="ppaction://media"/>
+          </p:cNvPr>
+          <p:cNvPicPr>
+            <a:picLocks noChangeAspect="1"/>
+          </p:cNvPicPr>
+          <p:nvPr>
+            <a:videoFile r:link="rId2"/>
+            <p:extLst>
+              <p:ext uri="{DAA4B4D4-6D71-4841-9C94-3DE7FCFB9230}">
+                <p14:media xmlns:p14="http://schemas.microsoft.com/office/powerpoint/2010/main" r:link="rId1"/>
+              </p:ext>
+            </p:extLst>
+          </p:nvPr>
+        </p:nvPicPr>
+        <p:blipFill>
+          <a:blip r:embed="rId4"/>
+          <a:stretch>
+            <a:fillRect/>
+          </a:stretch>
+        </p:blipFill>
         <p:spPr>
           <a:xfrm>
-            <a:off x="304800" y="1371600"/>
-            <a:ext cx="8458200" cy="830997"/>
+            <a:off x="0" y="857250"/>
+            <a:ext cx="9144000" cy="5143500"/>
           </a:xfrm>
           <a:prstGeom prst="rect">
             <a:avLst/>
           </a:prstGeom>
-          <a:noFill/>
         </p:spPr>
-        <p:txBody>
-          <a:bodyPr wrap="square" rtlCol="0">
-            <a:spAutoFit/>
-          </a:bodyPr>
-          <a:lstStyle/>
-          <a:p>
-            <a:pPr marL="685800" indent="-685800">
-              <a:buFont typeface="Arial"/>
-              <a:buChar char="•"/>
-            </a:pPr>
-            <a:r>
-              <a:rPr lang="en-US" sz="4800" dirty="0" smtClean="0">
-                <a:solidFill>
-                  <a:schemeClr val="bg1"/>
-                </a:solidFill>
-                <a:latin typeface="Segoe UI Light" pitchFamily="34" charset="0"/>
-              </a:rPr>
-              <a:t>Why</a:t>
-            </a:r>
-            <a:endParaRPr lang="en-US" sz="4800" dirty="0" smtClean="0">
-              <a:solidFill>
-                <a:schemeClr val="bg1"/>
-              </a:solidFill>
-              <a:latin typeface="Segoe UI Light" pitchFamily="34" charset="0"/>
-            </a:endParaRPr>
-          </a:p>
-        </p:txBody>
-      </p:sp>
+      </p:pic>
     </p:spTree>
     <p:extLst>
       <p:ext uri="{BB962C8B-B14F-4D97-AF65-F5344CB8AC3E}">
-        <p14:creationId xmlns:p14="http://schemas.microsoft.com/office/powerpoint/2010/main" val="4182597883"/>
+        <p14:creationId xmlns:p14="http://schemas.microsoft.com/office/powerpoint/2010/main" val="1309059714"/>
       </p:ext>
     </p:extLst>
   </p:cSld>
   <p:clrMapOvr>
     <a:masterClrMapping/>
   </p:clrMapOvr>
+  <mc:AlternateContent xmlns:mc="http://schemas.openxmlformats.org/markup-compatibility/2006">
+    <mc:Choice xmlns:p14="http://schemas.microsoft.com/office/powerpoint/2010/main" Requires="p14">
+      <p:transition spd="med" p14:dur="700">
+        <p:fade/>
+      </p:transition>
+    </mc:Choice>
+    <mc:Fallback>
+      <p:transition xmlns:p14="http://schemas.microsoft.com/office/powerpoint/2010/main" spd="med">
+        <p:fade/>
+      </p:transition>
+    </mc:Fallback>
+  </mc:AlternateContent>
   <p:timing>
     <p:tnLst>
       <p:par>
-        <p:cTn xmlns:p14="http://schemas.microsoft.com/office/powerpoint/2010/main" id="1" dur="indefinite" restart="never" nodeType="tmRoot"/>
+        <p:cTn xmlns:p14="http://schemas.microsoft.com/office/powerpoint/2010/main" id="1" dur="indefinite" restart="never" nodeType="tmRoot">
+          <p:childTnLst>
+            <p:seq concurrent="1" nextAc="seek">
+              <p:cTn id="2" dur="indefinite" nodeType="mainSeq">
+                <p:childTnLst>
+                  <p:par>
+                    <p:cTn id="3" fill="hold">
+                      <p:stCondLst>
+                        <p:cond delay="indefinite"/>
+                        <p:cond evt="onBegin" delay="0">
+                          <p:tn val="2"/>
+                        </p:cond>
+                      </p:stCondLst>
+                      <p:childTnLst>
+                        <p:par>
+                          <p:cTn id="4" fill="hold">
+                            <p:stCondLst>
+                              <p:cond delay="0"/>
+                            </p:stCondLst>
+                            <p:childTnLst>
+                              <p:par>
+                                <p:cTn id="5" presetID="1" presetClass="mediacall" presetSubtype="0" fill="hold" nodeType="afterEffect">
+                                  <p:stCondLst>
+                                    <p:cond delay="0"/>
+                                  </p:stCondLst>
+                                  <p:childTnLst>
+                                    <p:cmd type="call" cmd="playFrom(0.0)">
+                                      <p:cBhvr>
+                                        <p:cTn id="6" dur="18400" fill="hold"/>
+                                        <p:tgtEl>
+                                          <p:spTgt spid="5"/>
+                                        </p:tgtEl>
+                                      </p:cBhvr>
+                                    </p:cmd>
+                                  </p:childTnLst>
+                                </p:cTn>
+                              </p:par>
+                            </p:childTnLst>
+                          </p:cTn>
+                        </p:par>
+                      </p:childTnLst>
+                    </p:cTn>
+                  </p:par>
+                </p:childTnLst>
+              </p:cTn>
+              <p:prevCondLst>
+                <p:cond evt="onPrev" delay="0">
+                  <p:tgtEl>
+                    <p:sldTgt/>
+                  </p:tgtEl>
+                </p:cond>
+              </p:prevCondLst>
+              <p:nextCondLst>
+                <p:cond evt="onNext" delay="0">
+                  <p:tgtEl>
+                    <p:sldTgt/>
+                  </p:tgtEl>
+                </p:cond>
+              </p:nextCondLst>
+            </p:seq>
+            <p:video>
+              <p:cMediaNode vol="80000">
+                <p:cTn id="7" fill="hold" display="0">
+                  <p:stCondLst>
+                    <p:cond delay="indefinite"/>
+                  </p:stCondLst>
+                </p:cTn>
+                <p:tgtEl>
+                  <p:spTgt spid="5"/>
+                </p:tgtEl>
+              </p:cMediaNode>
+            </p:video>
+            <p:seq concurrent="1" nextAc="seek">
+              <p:cTn id="8" restart="whenNotActive" fill="hold" evtFilter="cancelBubble" nodeType="interactiveSeq">
+                <p:stCondLst>
+                  <p:cond evt="onClick" delay="0">
+                    <p:tgtEl>
+                      <p:spTgt spid="5"/>
+                    </p:tgtEl>
+                  </p:cond>
+                </p:stCondLst>
+                <p:endSync evt="end" delay="0">
+                  <p:rtn val="all"/>
+                </p:endSync>
+                <p:childTnLst>
+                  <p:par>
+                    <p:cTn id="9" fill="hold">
+                      <p:stCondLst>
+                        <p:cond delay="0"/>
+                      </p:stCondLst>
+                      <p:childTnLst>
+                        <p:par>
+                          <p:cTn id="10" fill="hold">
+                            <p:stCondLst>
+                              <p:cond delay="0"/>
+                            </p:stCondLst>
+                            <p:childTnLst>
+                              <p:par>
+                                <p:cTn id="11" presetID="2" presetClass="mediacall" presetSubtype="0" fill="hold" nodeType="clickEffect">
+                                  <p:stCondLst>
+                                    <p:cond delay="0"/>
+                                  </p:stCondLst>
+                                  <p:childTnLst>
+                                    <p:cmd type="call" cmd="togglePause">
+                                      <p:cBhvr>
+                                        <p:cTn id="12" dur="1" fill="hold"/>
+                                        <p:tgtEl>
+                                          <p:spTgt spid="5"/>
+                                        </p:tgtEl>
+                                      </p:cBhvr>
+                                    </p:cmd>
+                                  </p:childTnLst>
+                                </p:cTn>
+                              </p:par>
+                            </p:childTnLst>
+                          </p:cTn>
+                        </p:par>
+                      </p:childTnLst>
+                    </p:cTn>
+                  </p:par>
+                </p:childTnLst>
+              </p:cTn>
+              <p:nextCondLst>
+                <p:cond evt="onClick" delay="0">
+                  <p:tgtEl>
+                    <p:spTgt spid="5"/>
+                  </p:tgtEl>
+                </p:cond>
+              </p:nextCondLst>
+            </p:seq>
+          </p:childTnLst>
+        </p:cTn>
       </p:par>
     </p:tnLst>
   </p:timing>
@@ -3454,14 +3668,8 @@
                 </a:solidFill>
                 <a:latin typeface="Segoe UI Light" pitchFamily="34" charset="0"/>
               </a:rPr>
-              <a:t>The With</a:t>
+              <a:t>The How</a:t>
             </a:r>
-            <a:endParaRPr lang="en-US" sz="6600" dirty="0" smtClean="0">
-              <a:solidFill>
-                <a:schemeClr val="bg1"/>
-              </a:solidFill>
-              <a:latin typeface="Segoe UI Light" pitchFamily="34" charset="0"/>
-            </a:endParaRPr>
           </a:p>
         </p:txBody>
       </p:sp>
@@ -3474,7 +3682,7 @@
         <p:spPr>
           <a:xfrm>
             <a:off x="304800" y="1371600"/>
-            <a:ext cx="8458200" cy="830997"/>
+            <a:ext cx="8458200" cy="3785652"/>
           </a:xfrm>
           <a:prstGeom prst="rect">
             <a:avLst/>
@@ -3498,7 +3706,52 @@
                 </a:solidFill>
                 <a:latin typeface="Segoe UI Light" pitchFamily="34" charset="0"/>
               </a:rPr>
-              <a:t>Why</a:t>
+              <a:t>Opportunistic ad-hoc message routing</a:t>
+            </a:r>
+          </a:p>
+          <a:p>
+            <a:pPr marL="685800" indent="-685800">
+              <a:buFont typeface="Arial"/>
+              <a:buChar char="•"/>
+            </a:pPr>
+            <a:r>
+              <a:rPr lang="en-US" sz="4800" dirty="0" smtClean="0">
+                <a:solidFill>
+                  <a:schemeClr val="bg1"/>
+                </a:solidFill>
+                <a:latin typeface="Segoe UI Light" pitchFamily="34" charset="0"/>
+              </a:rPr>
+              <a:t>P2P with mobile phones</a:t>
+            </a:r>
+          </a:p>
+          <a:p>
+            <a:pPr marL="685800" indent="-685800">
+              <a:buFont typeface="Arial"/>
+              <a:buChar char="•"/>
+            </a:pPr>
+            <a:r>
+              <a:rPr lang="en-US" sz="4800" dirty="0" smtClean="0">
+                <a:solidFill>
+                  <a:schemeClr val="bg1"/>
+                </a:solidFill>
+                <a:latin typeface="Segoe UI Light" pitchFamily="34" charset="0"/>
+              </a:rPr>
+              <a:t>Local sharing</a:t>
+            </a:r>
+          </a:p>
+          <a:p>
+            <a:pPr marL="685800" indent="-685800">
+              <a:buFont typeface="Arial"/>
+              <a:buChar char="•"/>
+            </a:pPr>
+            <a:r>
+              <a:rPr lang="en-US" sz="4800" dirty="0" smtClean="0">
+                <a:solidFill>
+                  <a:schemeClr val="bg1"/>
+                </a:solidFill>
+                <a:latin typeface="Segoe UI Light" pitchFamily="34" charset="0"/>
+              </a:rPr>
+              <a:t>Routed broadcast</a:t>
             </a:r>
             <a:endParaRPr lang="en-US" sz="4800" dirty="0" smtClean="0">
               <a:solidFill>
@@ -3512,13 +3765,25 @@
     </p:spTree>
     <p:extLst>
       <p:ext uri="{BB962C8B-B14F-4D97-AF65-F5344CB8AC3E}">
-        <p14:creationId xmlns:p14="http://schemas.microsoft.com/office/powerpoint/2010/main" val="211361760"/>
+        <p14:creationId xmlns:p14="http://schemas.microsoft.com/office/powerpoint/2010/main" val="4182597883"/>
       </p:ext>
     </p:extLst>
   </p:cSld>
   <p:clrMapOvr>
     <a:masterClrMapping/>
   </p:clrMapOvr>
+  <mc:AlternateContent xmlns:mc="http://schemas.openxmlformats.org/markup-compatibility/2006">
+    <mc:Choice xmlns:p14="http://schemas.microsoft.com/office/powerpoint/2010/main" Requires="p14">
+      <p:transition spd="med" p14:dur="700">
+        <p:fade/>
+      </p:transition>
+    </mc:Choice>
+    <mc:Fallback>
+      <p:transition xmlns:p14="http://schemas.microsoft.com/office/powerpoint/2010/main" spd="med">
+        <p:fade/>
+      </p:transition>
+    </mc:Fallback>
+  </mc:AlternateContent>
   <p:timing>
     <p:tnLst>
       <p:par>
@@ -3575,7 +3840,7 @@
                 </a:solidFill>
                 <a:latin typeface="Segoe UI Light" pitchFamily="34" charset="0"/>
               </a:rPr>
-              <a:t>The End</a:t>
+              <a:t>The Who</a:t>
             </a:r>
             <a:endParaRPr lang="en-US" sz="6600" dirty="0" smtClean="0">
               <a:solidFill>
@@ -3583,6 +3848,439 @@
               </a:solidFill>
               <a:latin typeface="Segoe UI Light" pitchFamily="34" charset="0"/>
             </a:endParaRPr>
+          </a:p>
+        </p:txBody>
+      </p:sp>
+      <p:sp>
+        <p:nvSpPr>
+          <p:cNvPr id="3" name="TextBox 2"/>
+          <p:cNvSpPr txBox="1"/>
+          <p:nvPr/>
+        </p:nvSpPr>
+        <p:spPr>
+          <a:xfrm>
+            <a:off x="304800" y="1371600"/>
+            <a:ext cx="8686800" cy="5262979"/>
+          </a:xfrm>
+          <a:prstGeom prst="rect">
+            <a:avLst/>
+          </a:prstGeom>
+          <a:noFill/>
+        </p:spPr>
+        <p:txBody>
+          <a:bodyPr wrap="square" rtlCol="0">
+            <a:spAutoFit/>
+          </a:bodyPr>
+          <a:lstStyle/>
+          <a:p>
+            <a:pPr marL="685800" indent="-685800">
+              <a:buFont typeface="Arial"/>
+              <a:buChar char="•"/>
+            </a:pPr>
+            <a:r>
+              <a:rPr lang="en-US" sz="4800" dirty="0" smtClean="0">
+                <a:solidFill>
+                  <a:schemeClr val="bg1"/>
+                </a:solidFill>
+                <a:latin typeface="Segoe UI Light" pitchFamily="34" charset="0"/>
+              </a:rPr>
+              <a:t>Local, temporary social groups</a:t>
+            </a:r>
+          </a:p>
+          <a:p>
+            <a:pPr marL="1143000" lvl="1" indent="-685800">
+              <a:buFont typeface="Arial"/>
+              <a:buChar char="•"/>
+            </a:pPr>
+            <a:r>
+              <a:rPr lang="en-US" sz="3600" dirty="0" smtClean="0">
+                <a:solidFill>
+                  <a:schemeClr val="bg1"/>
+                </a:solidFill>
+                <a:latin typeface="Segoe UI Light" pitchFamily="34" charset="0"/>
+              </a:rPr>
+              <a:t>Classes</a:t>
+            </a:r>
+          </a:p>
+          <a:p>
+            <a:pPr marL="1143000" lvl="1" indent="-685800">
+              <a:buFont typeface="Arial"/>
+              <a:buChar char="•"/>
+            </a:pPr>
+            <a:r>
+              <a:rPr lang="en-US" sz="3600" dirty="0" smtClean="0">
+                <a:solidFill>
+                  <a:schemeClr val="bg1"/>
+                </a:solidFill>
+                <a:latin typeface="Segoe UI Light" pitchFamily="34" charset="0"/>
+              </a:rPr>
+              <a:t>Big events</a:t>
+            </a:r>
+          </a:p>
+          <a:p>
+            <a:pPr marL="1143000" lvl="1" indent="-685800">
+              <a:buFont typeface="Arial"/>
+              <a:buChar char="•"/>
+            </a:pPr>
+            <a:r>
+              <a:rPr lang="en-US" sz="3600" dirty="0" smtClean="0">
+                <a:solidFill>
+                  <a:schemeClr val="bg1"/>
+                </a:solidFill>
+                <a:latin typeface="Segoe UI Light" pitchFamily="34" charset="0"/>
+              </a:rPr>
+              <a:t>Accident sites</a:t>
+            </a:r>
+          </a:p>
+          <a:p>
+            <a:pPr marL="1143000" lvl="1" indent="-685800">
+              <a:buFont typeface="Arial"/>
+              <a:buChar char="•"/>
+            </a:pPr>
+            <a:r>
+              <a:rPr lang="en-US" sz="3600" dirty="0" smtClean="0">
+                <a:solidFill>
+                  <a:schemeClr val="bg1"/>
+                </a:solidFill>
+                <a:latin typeface="Segoe UI Light" pitchFamily="34" charset="0"/>
+              </a:rPr>
+              <a:t>Demonstrations</a:t>
+            </a:r>
+            <a:endParaRPr lang="en-US" sz="3600" dirty="0">
+              <a:solidFill>
+                <a:schemeClr val="bg1"/>
+              </a:solidFill>
+              <a:latin typeface="Segoe UI Light" pitchFamily="34" charset="0"/>
+            </a:endParaRPr>
+          </a:p>
+          <a:p>
+            <a:pPr marL="685800" indent="-685800">
+              <a:buFont typeface="Arial"/>
+              <a:buChar char="•"/>
+            </a:pPr>
+            <a:r>
+              <a:rPr lang="en-US" sz="4800" dirty="0" smtClean="0">
+                <a:solidFill>
+                  <a:schemeClr val="bg1"/>
+                </a:solidFill>
+                <a:latin typeface="Segoe UI Light" pitchFamily="34" charset="0"/>
+              </a:rPr>
+              <a:t>In essence:</a:t>
+            </a:r>
+          </a:p>
+          <a:p>
+            <a:r>
+              <a:rPr lang="en-US" sz="4800" dirty="0">
+                <a:solidFill>
+                  <a:schemeClr val="bg1"/>
+                </a:solidFill>
+                <a:latin typeface="Segoe UI Light" pitchFamily="34" charset="0"/>
+              </a:rPr>
+              <a:t> </a:t>
+            </a:r>
+            <a:r>
+              <a:rPr lang="en-US" sz="4800" dirty="0" smtClean="0">
+                <a:solidFill>
+                  <a:schemeClr val="bg1"/>
+                </a:solidFill>
+                <a:latin typeface="Segoe UI Light" pitchFamily="34" charset="0"/>
+              </a:rPr>
+              <a:t>   Flexible collaboration in novel situations </a:t>
+            </a:r>
+            <a:endParaRPr lang="en-US" sz="4800" dirty="0" smtClean="0">
+              <a:solidFill>
+                <a:schemeClr val="bg1"/>
+              </a:solidFill>
+              <a:latin typeface="Segoe UI Light" pitchFamily="34" charset="0"/>
+            </a:endParaRPr>
+          </a:p>
+        </p:txBody>
+      </p:sp>
+    </p:spTree>
+    <p:extLst>
+      <p:ext uri="{BB962C8B-B14F-4D97-AF65-F5344CB8AC3E}">
+        <p14:creationId xmlns:p14="http://schemas.microsoft.com/office/powerpoint/2010/main" val="2754685639"/>
+      </p:ext>
+    </p:extLst>
+  </p:cSld>
+  <p:clrMapOvr>
+    <a:masterClrMapping/>
+  </p:clrMapOvr>
+  <p:timing>
+    <p:tnLst>
+      <p:par>
+        <p:cTn xmlns:p14="http://schemas.microsoft.com/office/powerpoint/2010/main" id="1" dur="indefinite" restart="never" nodeType="tmRoot"/>
+      </p:par>
+    </p:tnLst>
+  </p:timing>
+</p:sld>
+</file>
+
+<file path=ppt/slides/slide7.xml><?xml version="1.0" encoding="utf-8"?>
+<p:sld xmlns:a="http://schemas.openxmlformats.org/drawingml/2006/main" xmlns:r="http://schemas.openxmlformats.org/officeDocument/2006/relationships" xmlns:p="http://schemas.openxmlformats.org/presentationml/2006/main">
+  <p:cSld>
+    <p:spTree>
+      <p:nvGrpSpPr>
+        <p:cNvPr id="1" name=""/>
+        <p:cNvGrpSpPr/>
+        <p:nvPr/>
+      </p:nvGrpSpPr>
+      <p:grpSpPr>
+        <a:xfrm>
+          <a:off x="0" y="0"/>
+          <a:ext cx="0" cy="0"/>
+          <a:chOff x="0" y="0"/>
+          <a:chExt cx="0" cy="0"/>
+        </a:xfrm>
+      </p:grpSpPr>
+      <p:sp>
+        <p:nvSpPr>
+          <p:cNvPr id="2" name="TextBox 1"/>
+          <p:cNvSpPr txBox="1"/>
+          <p:nvPr/>
+        </p:nvSpPr>
+        <p:spPr>
+          <a:xfrm>
+            <a:off x="304800" y="152400"/>
+            <a:ext cx="6934200" cy="1107996"/>
+          </a:xfrm>
+          <a:prstGeom prst="rect">
+            <a:avLst/>
+          </a:prstGeom>
+          <a:noFill/>
+        </p:spPr>
+        <p:txBody>
+          <a:bodyPr wrap="square" rtlCol="0">
+            <a:spAutoFit/>
+          </a:bodyPr>
+          <a:lstStyle/>
+          <a:p>
+            <a:r>
+              <a:rPr lang="en-US" sz="6600" dirty="0" smtClean="0">
+                <a:solidFill>
+                  <a:schemeClr val="bg1"/>
+                </a:solidFill>
+                <a:latin typeface="Segoe UI Light" pitchFamily="34" charset="0"/>
+              </a:rPr>
+              <a:t>The With</a:t>
+            </a:r>
+          </a:p>
+        </p:txBody>
+      </p:sp>
+      <p:sp>
+        <p:nvSpPr>
+          <p:cNvPr id="3" name="TextBox 2"/>
+          <p:cNvSpPr txBox="1"/>
+          <p:nvPr/>
+        </p:nvSpPr>
+        <p:spPr>
+          <a:xfrm>
+            <a:off x="304800" y="1371600"/>
+            <a:ext cx="8458200" cy="5262979"/>
+          </a:xfrm>
+          <a:prstGeom prst="rect">
+            <a:avLst/>
+          </a:prstGeom>
+          <a:noFill/>
+        </p:spPr>
+        <p:txBody>
+          <a:bodyPr wrap="square" rtlCol="0">
+            <a:spAutoFit/>
+          </a:bodyPr>
+          <a:lstStyle/>
+          <a:p>
+            <a:pPr marL="685800" indent="-685800">
+              <a:buFont typeface="Arial"/>
+              <a:buChar char="•"/>
+            </a:pPr>
+            <a:r>
+              <a:rPr lang="en-US" sz="4800" dirty="0" smtClean="0">
+                <a:solidFill>
+                  <a:schemeClr val="bg1"/>
+                </a:solidFill>
+                <a:latin typeface="Segoe UI Light" pitchFamily="34" charset="0"/>
+              </a:rPr>
+              <a:t>Windows Phone 7</a:t>
+            </a:r>
+            <a:endParaRPr lang="en-US" sz="4800" dirty="0" smtClean="0">
+              <a:solidFill>
+                <a:schemeClr val="bg1"/>
+              </a:solidFill>
+              <a:latin typeface="Segoe UI Light" pitchFamily="34" charset="0"/>
+            </a:endParaRPr>
+          </a:p>
+          <a:p>
+            <a:pPr marL="685800" indent="-685800">
+              <a:buFont typeface="Arial"/>
+              <a:buChar char="•"/>
+            </a:pPr>
+            <a:r>
+              <a:rPr lang="en-US" sz="4800" dirty="0" smtClean="0">
+                <a:solidFill>
+                  <a:schemeClr val="bg1"/>
+                </a:solidFill>
+                <a:latin typeface="Segoe UI Light" pitchFamily="34" charset="0"/>
+              </a:rPr>
+              <a:t>P2P Networking</a:t>
+            </a:r>
+          </a:p>
+          <a:p>
+            <a:pPr marL="1143000" lvl="1" indent="-685800">
+              <a:buFont typeface="Arial"/>
+              <a:buChar char="•"/>
+            </a:pPr>
+            <a:r>
+              <a:rPr lang="en-US" sz="3600" dirty="0" smtClean="0">
+                <a:solidFill>
+                  <a:schemeClr val="bg1"/>
+                </a:solidFill>
+                <a:latin typeface="Segoe UI Light" pitchFamily="34" charset="0"/>
+              </a:rPr>
+              <a:t>Multicast</a:t>
+            </a:r>
+          </a:p>
+          <a:p>
+            <a:pPr marL="1143000" lvl="1" indent="-685800">
+              <a:buFont typeface="Arial"/>
+              <a:buChar char="•"/>
+            </a:pPr>
+            <a:r>
+              <a:rPr lang="en-US" sz="3600" dirty="0" smtClean="0">
+                <a:solidFill>
+                  <a:schemeClr val="bg1"/>
+                </a:solidFill>
+                <a:latin typeface="Segoe UI Light" pitchFamily="34" charset="0"/>
+              </a:rPr>
+              <a:t>Unicast</a:t>
+            </a:r>
+          </a:p>
+          <a:p>
+            <a:pPr marL="685800" indent="-685800">
+              <a:buFont typeface="Arial"/>
+              <a:buChar char="•"/>
+            </a:pPr>
+            <a:r>
+              <a:rPr lang="en-US" sz="4800" dirty="0" smtClean="0">
+                <a:solidFill>
+                  <a:schemeClr val="bg1"/>
+                </a:solidFill>
+                <a:latin typeface="Segoe UI Light" pitchFamily="34" charset="0"/>
+              </a:rPr>
+              <a:t>Local database</a:t>
+            </a:r>
+          </a:p>
+          <a:p>
+            <a:pPr marL="1143000" lvl="1" indent="-685800">
+              <a:buFont typeface="Arial"/>
+              <a:buChar char="•"/>
+            </a:pPr>
+            <a:r>
+              <a:rPr lang="en-US" sz="3600" dirty="0" smtClean="0">
+                <a:solidFill>
+                  <a:schemeClr val="bg1"/>
+                </a:solidFill>
+                <a:latin typeface="Segoe UI Light" pitchFamily="34" charset="0"/>
+              </a:rPr>
+              <a:t>Storage</a:t>
+            </a:r>
+          </a:p>
+          <a:p>
+            <a:pPr marL="1143000" lvl="1" indent="-685800">
+              <a:buFont typeface="Arial"/>
+              <a:buChar char="•"/>
+            </a:pPr>
+            <a:r>
+              <a:rPr lang="en-US" sz="3600" dirty="0" smtClean="0">
+                <a:solidFill>
+                  <a:schemeClr val="bg1"/>
+                </a:solidFill>
+                <a:latin typeface="Segoe UI Light" pitchFamily="34" charset="0"/>
+              </a:rPr>
+              <a:t>Routing</a:t>
+            </a:r>
+          </a:p>
+          <a:p>
+            <a:pPr marL="685800" indent="-685800">
+              <a:buFont typeface="Arial"/>
+              <a:buChar char="•"/>
+            </a:pPr>
+            <a:endParaRPr lang="en-US" sz="4800" dirty="0" smtClean="0">
+              <a:solidFill>
+                <a:schemeClr val="bg1"/>
+              </a:solidFill>
+              <a:latin typeface="Segoe UI Light" pitchFamily="34" charset="0"/>
+            </a:endParaRPr>
+          </a:p>
+        </p:txBody>
+      </p:sp>
+    </p:spTree>
+    <p:extLst>
+      <p:ext uri="{BB962C8B-B14F-4D97-AF65-F5344CB8AC3E}">
+        <p14:creationId xmlns:p14="http://schemas.microsoft.com/office/powerpoint/2010/main" val="211361760"/>
+      </p:ext>
+    </p:extLst>
+  </p:cSld>
+  <p:clrMapOvr>
+    <a:masterClrMapping/>
+  </p:clrMapOvr>
+  <p:timing>
+    <p:tnLst>
+      <p:par>
+        <p:cTn xmlns:p14="http://schemas.microsoft.com/office/powerpoint/2010/main" id="1" dur="indefinite" restart="never" nodeType="tmRoot"/>
+      </p:par>
+    </p:tnLst>
+  </p:timing>
+</p:sld>
+</file>
+
+<file path=ppt/slides/slide8.xml><?xml version="1.0" encoding="utf-8"?>
+<p:sld xmlns:a="http://schemas.openxmlformats.org/drawingml/2006/main" xmlns:r="http://schemas.openxmlformats.org/officeDocument/2006/relationships" xmlns:p="http://schemas.openxmlformats.org/presentationml/2006/main">
+  <p:cSld>
+    <p:spTree>
+      <p:nvGrpSpPr>
+        <p:cNvPr id="1" name=""/>
+        <p:cNvGrpSpPr/>
+        <p:nvPr/>
+      </p:nvGrpSpPr>
+      <p:grpSpPr>
+        <a:xfrm>
+          <a:off x="0" y="0"/>
+          <a:ext cx="0" cy="0"/>
+          <a:chOff x="0" y="0"/>
+          <a:chExt cx="0" cy="0"/>
+        </a:xfrm>
+      </p:grpSpPr>
+      <p:sp>
+        <p:nvSpPr>
+          <p:cNvPr id="2" name="TextBox 1"/>
+          <p:cNvSpPr txBox="1"/>
+          <p:nvPr/>
+        </p:nvSpPr>
+        <p:spPr>
+          <a:xfrm>
+            <a:off x="304800" y="152400"/>
+            <a:ext cx="6934200" cy="1107996"/>
+          </a:xfrm>
+          <a:prstGeom prst="rect">
+            <a:avLst/>
+          </a:prstGeom>
+          <a:noFill/>
+        </p:spPr>
+        <p:txBody>
+          <a:bodyPr wrap="square" rtlCol="0">
+            <a:spAutoFit/>
+          </a:bodyPr>
+          <a:lstStyle/>
+          <a:p>
+            <a:r>
+              <a:rPr lang="en-US" sz="6600" dirty="0" smtClean="0">
+                <a:solidFill>
+                  <a:schemeClr val="bg1"/>
+                </a:solidFill>
+                <a:latin typeface="Segoe UI Light" pitchFamily="34" charset="0"/>
+              </a:rPr>
+              <a:t>The End</a:t>
+            </a:r>
           </a:p>
         </p:txBody>
       </p:sp>
@@ -3619,7 +4317,7 @@
                 </a:solidFill>
                 <a:latin typeface="Segoe UI Light" pitchFamily="34" charset="0"/>
               </a:rPr>
-              <a:t>Why</a:t>
+              <a:t>Question, comments</a:t>
             </a:r>
             <a:endParaRPr lang="en-US" sz="4800" dirty="0" smtClean="0">
               <a:solidFill>

--- a/Presentations/codecampintro/g3a_ccintro.pptx
+++ b/Presentations/codecampintro/g3a_ccintro.pptx
@@ -5,10 +5,10 @@
     <p:sldMasterId id="2147483648" r:id="rId1"/>
   </p:sldMasterIdLst>
   <p:notesMasterIdLst>
-    <p:notesMasterId r:id="rId10"/>
+    <p:notesMasterId r:id="rId11"/>
   </p:notesMasterIdLst>
   <p:handoutMasterIdLst>
-    <p:handoutMasterId r:id="rId11"/>
+    <p:handoutMasterId r:id="rId12"/>
   </p:handoutMasterIdLst>
   <p:sldIdLst>
     <p:sldId id="262" r:id="rId2"/>
@@ -18,7 +18,8 @@
     <p:sldId id="264" r:id="rId6"/>
     <p:sldId id="267" r:id="rId7"/>
     <p:sldId id="265" r:id="rId8"/>
-    <p:sldId id="266" r:id="rId9"/>
+    <p:sldId id="269" r:id="rId9"/>
+    <p:sldId id="266" r:id="rId10"/>
   </p:sldIdLst>
   <p:sldSz cx="9144000" cy="6858000" type="screen4x3"/>
   <p:notesSz cx="6858000" cy="9144000"/>
@@ -202,7 +203,7 @@
           <a:p>
             <a:fld id="{127580EF-8E47-4E7A-B8BD-B8A914D06AFC}" type="datetimeFigureOut">
               <a:rPr lang="en-US" smtClean="0"/>
-              <a:t>1/27/12</a:t>
+              <a:t>1/27/2012</a:t>
             </a:fld>
             <a:endParaRPr lang="en-US"/>
           </a:p>
@@ -367,7 +368,7 @@
           <a:p>
             <a:fld id="{74B32A4C-61ED-466B-8E8A-849BD3D2B1E1}" type="datetimeFigureOut">
               <a:rPr lang="en-US" smtClean="0"/>
-              <a:t>1/27/12</a:t>
+              <a:t>1/27/2012</a:t>
             </a:fld>
             <a:endParaRPr lang="en-US"/>
           </a:p>
@@ -673,7 +674,7 @@
   <p:timing>
     <p:tnLst>
       <p:par>
-        <p:cTn xmlns:p14="http://schemas.microsoft.com/office/powerpoint/2010/main" id="1" dur="indefinite" restart="never" nodeType="tmRoot"/>
+        <p:cTn id="1" dur="indefinite" restart="never" nodeType="tmRoot"/>
       </p:par>
     </p:tnLst>
   </p:timing>
@@ -718,7 +719,7 @@
   <p:timing>
     <p:tnLst>
       <p:par>
-        <p:cTn xmlns:p14="http://schemas.microsoft.com/office/powerpoint/2010/main" id="1" dur="indefinite" restart="never" nodeType="tmRoot"/>
+        <p:cTn id="1" dur="indefinite" restart="never" nodeType="tmRoot"/>
       </p:par>
     </p:tnLst>
   </p:timing>
@@ -763,7 +764,7 @@
   <p:timing>
     <p:tnLst>
       <p:par>
-        <p:cTn xmlns:p14="http://schemas.microsoft.com/office/powerpoint/2010/main" id="1" dur="indefinite" restart="never" nodeType="tmRoot"/>
+        <p:cTn id="1" dur="indefinite" restart="never" nodeType="tmRoot"/>
       </p:par>
     </p:tnLst>
   </p:timing>
@@ -808,7 +809,7 @@
   <p:timing>
     <p:tnLst>
       <p:par>
-        <p:cTn xmlns:p14="http://schemas.microsoft.com/office/powerpoint/2010/main" id="1" dur="indefinite" restart="never" nodeType="tmRoot"/>
+        <p:cTn id="1" dur="indefinite" restart="never" nodeType="tmRoot"/>
       </p:par>
     </p:tnLst>
   </p:timing>
@@ -853,7 +854,7 @@
   <p:timing>
     <p:tnLst>
       <p:par>
-        <p:cTn xmlns:p14="http://schemas.microsoft.com/office/powerpoint/2010/main" id="1" dur="indefinite" restart="never" nodeType="tmRoot"/>
+        <p:cTn id="1" dur="indefinite" restart="never" nodeType="tmRoot"/>
       </p:par>
     </p:tnLst>
   </p:timing>
@@ -898,7 +899,7 @@
   <p:timing>
     <p:tnLst>
       <p:par>
-        <p:cTn xmlns:p14="http://schemas.microsoft.com/office/powerpoint/2010/main" id="1" dur="indefinite" restart="never" nodeType="tmRoot"/>
+        <p:cTn id="1" dur="indefinite" restart="never" nodeType="tmRoot"/>
       </p:par>
     </p:tnLst>
   </p:timing>
@@ -943,7 +944,7 @@
   <p:timing>
     <p:tnLst>
       <p:par>
-        <p:cTn xmlns:p14="http://schemas.microsoft.com/office/powerpoint/2010/main" id="1" dur="indefinite" restart="never" nodeType="tmRoot"/>
+        <p:cTn id="1" dur="indefinite" restart="never" nodeType="tmRoot"/>
       </p:par>
     </p:tnLst>
   </p:timing>
@@ -2261,7 +2262,7 @@
   <p:timing>
     <p:tnLst>
       <p:par>
-        <p:cTn xmlns:p14="http://schemas.microsoft.com/office/powerpoint/2010/main" id="1" dur="indefinite" restart="never" nodeType="tmRoot">
+        <p:cTn id="1" dur="indefinite" restart="never" nodeType="tmRoot">
           <p:childTnLst>
             <p:seq concurrent="1" nextAc="seek">
               <p:cTn id="2" dur="indefinite" nodeType="mainSeq">
@@ -2899,7 +2900,7 @@
   <p:timing>
     <p:tnLst>
       <p:par>
-        <p:cTn xmlns:p14="http://schemas.microsoft.com/office/powerpoint/2010/main" id="1" dur="indefinite" restart="never" nodeType="tmRoot">
+        <p:cTn id="1" dur="indefinite" restart="never" nodeType="tmRoot">
           <p:childTnLst>
             <p:seq concurrent="1" nextAc="seek">
               <p:cTn id="2" dur="indefinite" nodeType="mainSeq">
@@ -3155,7 +3156,7 @@
   <p:timing>
     <p:tnLst>
       <p:par>
-        <p:cTn xmlns:p14="http://schemas.microsoft.com/office/powerpoint/2010/main" id="1" dur="indefinite" restart="never" nodeType="tmRoot"/>
+        <p:cTn id="1" dur="indefinite" restart="never" nodeType="tmRoot"/>
       </p:par>
     </p:tnLst>
   </p:timing>
@@ -3323,12 +3324,6 @@
               </a:rPr>
               <a:t>Ad-hoc social networking</a:t>
             </a:r>
-            <a:endParaRPr lang="en-US" sz="4800" dirty="0" smtClean="0">
-              <a:solidFill>
-                <a:schemeClr val="bg1"/>
-              </a:solidFill>
-              <a:latin typeface="Segoe UI Light" pitchFamily="34" charset="0"/>
-            </a:endParaRPr>
           </a:p>
         </p:txBody>
       </p:sp>
@@ -3345,7 +3340,7 @@
   <p:timing>
     <p:tnLst>
       <p:par>
-        <p:cTn xmlns:p14="http://schemas.microsoft.com/office/powerpoint/2010/main" id="1" dur="indefinite" restart="never" nodeType="tmRoot"/>
+        <p:cTn id="1" dur="indefinite" restart="never" nodeType="tmRoot"/>
       </p:par>
     </p:tnLst>
   </p:timing>
@@ -3406,23 +3401,8 @@
                 </a:solidFill>
                 <a:latin typeface="Segoe UI Light" pitchFamily="34" charset="0"/>
               </a:rPr>
-              <a:t>The </a:t>
+              <a:t>The How</a:t>
             </a:r>
-            <a:r>
-              <a:rPr lang="en-US" sz="6600" dirty="0" smtClean="0">
-                <a:solidFill>
-                  <a:schemeClr val="bg1"/>
-                </a:solidFill>
-                <a:latin typeface="Segoe UI Light" pitchFamily="34" charset="0"/>
-              </a:rPr>
-              <a:t>How</a:t>
-            </a:r>
-            <a:endParaRPr lang="en-US" sz="6600" dirty="0" smtClean="0">
-              <a:solidFill>
-                <a:schemeClr val="bg1"/>
-              </a:solidFill>
-              <a:latin typeface="Segoe UI Light" pitchFamily="34" charset="0"/>
-            </a:endParaRPr>
           </a:p>
         </p:txBody>
       </p:sp>
@@ -3469,13 +3449,13 @@
   <p:clrMapOvr>
     <a:masterClrMapping/>
   </p:clrMapOvr>
-  <mc:AlternateContent xmlns:mc="http://schemas.openxmlformats.org/markup-compatibility/2006">
-    <mc:Choice xmlns:p14="http://schemas.microsoft.com/office/powerpoint/2010/main" Requires="p14">
+  <mc:AlternateContent xmlns:mc="http://schemas.openxmlformats.org/markup-compatibility/2006" xmlns:p14="http://schemas.microsoft.com/office/powerpoint/2010/main">
+    <mc:Choice Requires="p14">
       <p:transition spd="med" p14:dur="700">
         <p:fade/>
       </p:transition>
     </mc:Choice>
-    <mc:Fallback>
+    <mc:Fallback xmlns="">
       <p:transition xmlns:p14="http://schemas.microsoft.com/office/powerpoint/2010/main" spd="med">
         <p:fade/>
       </p:transition>
@@ -3484,7 +3464,7 @@
   <p:timing>
     <p:tnLst>
       <p:par>
-        <p:cTn xmlns:p14="http://schemas.microsoft.com/office/powerpoint/2010/main" id="1" dur="indefinite" restart="never" nodeType="tmRoot">
+        <p:cTn id="1" dur="indefinite" restart="never" nodeType="tmRoot">
           <p:childTnLst>
             <p:seq concurrent="1" nextAc="seek">
               <p:cTn id="2" dur="indefinite" nodeType="mainSeq">
@@ -3753,12 +3733,6 @@
               </a:rPr>
               <a:t>Routed broadcast</a:t>
             </a:r>
-            <a:endParaRPr lang="en-US" sz="4800" dirty="0" smtClean="0">
-              <a:solidFill>
-                <a:schemeClr val="bg1"/>
-              </a:solidFill>
-              <a:latin typeface="Segoe UI Light" pitchFamily="34" charset="0"/>
-            </a:endParaRPr>
           </a:p>
         </p:txBody>
       </p:sp>
@@ -3772,13 +3746,13 @@
   <p:clrMapOvr>
     <a:masterClrMapping/>
   </p:clrMapOvr>
-  <mc:AlternateContent xmlns:mc="http://schemas.openxmlformats.org/markup-compatibility/2006">
-    <mc:Choice xmlns:p14="http://schemas.microsoft.com/office/powerpoint/2010/main" Requires="p14">
+  <mc:AlternateContent xmlns:mc="http://schemas.openxmlformats.org/markup-compatibility/2006" xmlns:p14="http://schemas.microsoft.com/office/powerpoint/2010/main">
+    <mc:Choice Requires="p14">
       <p:transition spd="med" p14:dur="700">
         <p:fade/>
       </p:transition>
     </mc:Choice>
-    <mc:Fallback>
+    <mc:Fallback xmlns="">
       <p:transition xmlns:p14="http://schemas.microsoft.com/office/powerpoint/2010/main" spd="med">
         <p:fade/>
       </p:transition>
@@ -3787,7 +3761,7 @@
   <p:timing>
     <p:tnLst>
       <p:par>
-        <p:cTn xmlns:p14="http://schemas.microsoft.com/office/powerpoint/2010/main" id="1" dur="indefinite" restart="never" nodeType="tmRoot"/>
+        <p:cTn id="1" dur="indefinite" restart="never" nodeType="tmRoot"/>
       </p:par>
     </p:tnLst>
   </p:timing>
@@ -3842,12 +3816,6 @@
               </a:rPr>
               <a:t>The Who</a:t>
             </a:r>
-            <a:endParaRPr lang="en-US" sz="6600" dirty="0" smtClean="0">
-              <a:solidFill>
-                <a:schemeClr val="bg1"/>
-              </a:solidFill>
-              <a:latin typeface="Segoe UI Light" pitchFamily="34" charset="0"/>
-            </a:endParaRPr>
           </a:p>
         </p:txBody>
       </p:sp>
@@ -3859,8 +3827,8 @@
         </p:nvSpPr>
         <p:spPr>
           <a:xfrm>
-            <a:off x="304800" y="1371600"/>
-            <a:ext cx="8686800" cy="5262979"/>
+            <a:off x="152400" y="1371600"/>
+            <a:ext cx="8839200" cy="5262979"/>
           </a:xfrm>
           <a:prstGeom prst="rect">
             <a:avLst/>
@@ -3965,34 +3933,8 @@
                 </a:solidFill>
                 <a:latin typeface="Segoe UI Light" pitchFamily="34" charset="0"/>
               </a:rPr>
-              <a:t>In essence:</a:t>
+              <a:t>In essence: Flexible collaboration in novel situations </a:t>
             </a:r>
-          </a:p>
-          <a:p>
-            <a:r>
-              <a:rPr lang="en-US" sz="4800" dirty="0">
-                <a:solidFill>
-                  <a:schemeClr val="bg1"/>
-                </a:solidFill>
-                <a:latin typeface="Segoe UI Light" pitchFamily="34" charset="0"/>
-              </a:rPr>
-              <a:t> </a:t>
-            </a:r>
-            <a:r>
-              <a:rPr lang="en-US" sz="4800" dirty="0" smtClean="0">
-                <a:solidFill>
-                  <a:schemeClr val="bg1"/>
-                </a:solidFill>
-                <a:latin typeface="Segoe UI Light" pitchFamily="34" charset="0"/>
-              </a:rPr>
-              <a:t>   Flexible collaboration in novel situations </a:t>
-            </a:r>
-            <a:endParaRPr lang="en-US" sz="4800" dirty="0" smtClean="0">
-              <a:solidFill>
-                <a:schemeClr val="bg1"/>
-              </a:solidFill>
-              <a:latin typeface="Segoe UI Light" pitchFamily="34" charset="0"/>
-            </a:endParaRPr>
           </a:p>
         </p:txBody>
       </p:sp>
@@ -4009,7 +3951,7 @@
   <p:timing>
     <p:tnLst>
       <p:par>
-        <p:cTn xmlns:p14="http://schemas.microsoft.com/office/powerpoint/2010/main" id="1" dur="indefinite" restart="never" nodeType="tmRoot"/>
+        <p:cTn id="1" dur="indefinite" restart="never" nodeType="tmRoot"/>
       </p:par>
     </p:tnLst>
   </p:timing>
@@ -4102,12 +4044,6 @@
               </a:rPr>
               <a:t>Windows Phone 7</a:t>
             </a:r>
-            <a:endParaRPr lang="en-US" sz="4800" dirty="0" smtClean="0">
-              <a:solidFill>
-                <a:schemeClr val="bg1"/>
-              </a:solidFill>
-              <a:latin typeface="Segoe UI Light" pitchFamily="34" charset="0"/>
-            </a:endParaRPr>
           </a:p>
           <a:p>
             <a:pPr marL="685800" indent="-685800">
@@ -4226,7 +4162,7 @@
   <p:timing>
     <p:tnLst>
       <p:par>
-        <p:cTn xmlns:p14="http://schemas.microsoft.com/office/powerpoint/2010/main" id="1" dur="indefinite" restart="never" nodeType="tmRoot"/>
+        <p:cTn id="1" dur="indefinite" restart="never" nodeType="tmRoot"/>
       </p:par>
     </p:tnLst>
   </p:timing>
@@ -4234,6 +4170,136 @@
 </file>
 
 <file path=ppt/slides/slide8.xml><?xml version="1.0" encoding="utf-8"?>
+<p:sld xmlns:a="http://schemas.openxmlformats.org/drawingml/2006/main" xmlns:r="http://schemas.openxmlformats.org/officeDocument/2006/relationships" xmlns:p="http://schemas.openxmlformats.org/presentationml/2006/main">
+  <p:cSld>
+    <p:spTree>
+      <p:nvGrpSpPr>
+        <p:cNvPr id="1" name=""/>
+        <p:cNvGrpSpPr/>
+        <p:nvPr/>
+      </p:nvGrpSpPr>
+      <p:grpSpPr>
+        <a:xfrm>
+          <a:off x="0" y="0"/>
+          <a:ext cx="0" cy="0"/>
+          <a:chOff x="0" y="0"/>
+          <a:chExt cx="0" cy="0"/>
+        </a:xfrm>
+      </p:grpSpPr>
+      <p:sp>
+        <p:nvSpPr>
+          <p:cNvPr id="2" name="TextBox 1"/>
+          <p:cNvSpPr txBox="1"/>
+          <p:nvPr/>
+        </p:nvSpPr>
+        <p:spPr>
+          <a:xfrm>
+            <a:off x="304800" y="152400"/>
+            <a:ext cx="6934200" cy="1107996"/>
+          </a:xfrm>
+          <a:prstGeom prst="rect">
+            <a:avLst/>
+          </a:prstGeom>
+          <a:noFill/>
+        </p:spPr>
+        <p:txBody>
+          <a:bodyPr wrap="square" rtlCol="0">
+            <a:spAutoFit/>
+          </a:bodyPr>
+          <a:lstStyle/>
+          <a:p>
+            <a:r>
+              <a:rPr lang="en-US" sz="6600" dirty="0" smtClean="0">
+                <a:solidFill>
+                  <a:schemeClr val="bg1"/>
+                </a:solidFill>
+                <a:latin typeface="Segoe UI Light" pitchFamily="34" charset="0"/>
+              </a:rPr>
+              <a:t>The </a:t>
+            </a:r>
+            <a:r>
+              <a:rPr lang="en-US" sz="6600" dirty="0" smtClean="0">
+                <a:solidFill>
+                  <a:schemeClr val="bg1"/>
+                </a:solidFill>
+                <a:latin typeface="Segoe UI Light" pitchFamily="34" charset="0"/>
+              </a:rPr>
+              <a:t>Way</a:t>
+            </a:r>
+            <a:endParaRPr lang="en-US" sz="6600" dirty="0" smtClean="0">
+              <a:solidFill>
+                <a:schemeClr val="bg1"/>
+              </a:solidFill>
+              <a:latin typeface="Segoe UI Light" pitchFamily="34" charset="0"/>
+            </a:endParaRPr>
+          </a:p>
+        </p:txBody>
+      </p:sp>
+      <p:sp>
+        <p:nvSpPr>
+          <p:cNvPr id="3" name="TextBox 2"/>
+          <p:cNvSpPr txBox="1"/>
+          <p:nvPr/>
+        </p:nvSpPr>
+        <p:spPr>
+          <a:xfrm>
+            <a:off x="304800" y="1371600"/>
+            <a:ext cx="8458200" cy="830997"/>
+          </a:xfrm>
+          <a:prstGeom prst="rect">
+            <a:avLst/>
+          </a:prstGeom>
+          <a:noFill/>
+        </p:spPr>
+        <p:txBody>
+          <a:bodyPr wrap="square" rtlCol="0">
+            <a:spAutoFit/>
+          </a:bodyPr>
+          <a:lstStyle/>
+          <a:p>
+            <a:pPr marL="685800" indent="-685800">
+              <a:buFont typeface="Arial"/>
+              <a:buChar char="•"/>
+            </a:pPr>
+            <a:r>
+              <a:rPr lang="en-US" sz="4800" smtClean="0">
+                <a:solidFill>
+                  <a:schemeClr val="bg1"/>
+                </a:solidFill>
+                <a:latin typeface="Segoe UI Light" pitchFamily="34" charset="0"/>
+              </a:rPr>
+              <a:t>Demo</a:t>
+            </a:r>
+            <a:endParaRPr lang="en-US" sz="4800" dirty="0" smtClean="0">
+              <a:solidFill>
+                <a:schemeClr val="bg1"/>
+              </a:solidFill>
+              <a:latin typeface="Segoe UI Light" pitchFamily="34" charset="0"/>
+            </a:endParaRPr>
+          </a:p>
+        </p:txBody>
+      </p:sp>
+    </p:spTree>
+    <p:extLst>
+      <p:ext uri="{BB962C8B-B14F-4D97-AF65-F5344CB8AC3E}">
+        <p14:creationId xmlns:p14="http://schemas.microsoft.com/office/powerpoint/2010/main" val="1395572296"/>
+      </p:ext>
+    </p:extLst>
+  </p:cSld>
+  <p:clrMapOvr>
+    <a:masterClrMapping/>
+  </p:clrMapOvr>
+  <p:timing>
+    <p:tnLst>
+      <p:par>
+        <p:cTn id="1" dur="indefinite" restart="never" nodeType="tmRoot"/>
+      </p:par>
+    </p:tnLst>
+  </p:timing>
+</p:sld>
+</file>
+
+<file path=ppt/slides/slide9.xml><?xml version="1.0" encoding="utf-8"?>
 <p:sld xmlns:a="http://schemas.openxmlformats.org/drawingml/2006/main" xmlns:r="http://schemas.openxmlformats.org/officeDocument/2006/relationships" xmlns:p="http://schemas.openxmlformats.org/presentationml/2006/main">
   <p:cSld>
     <p:spTree>
@@ -4319,12 +4385,6 @@
               </a:rPr>
               <a:t>Question, comments</a:t>
             </a:r>
-            <a:endParaRPr lang="en-US" sz="4800" dirty="0" smtClean="0">
-              <a:solidFill>
-                <a:schemeClr val="bg1"/>
-              </a:solidFill>
-              <a:latin typeface="Segoe UI Light" pitchFamily="34" charset="0"/>
-            </a:endParaRPr>
           </a:p>
         </p:txBody>
       </p:sp>
@@ -4341,7 +4401,7 @@
   <p:timing>
     <p:tnLst>
       <p:par>
-        <p:cTn xmlns:p14="http://schemas.microsoft.com/office/powerpoint/2010/main" id="1" dur="indefinite" restart="never" nodeType="tmRoot"/>
+        <p:cTn id="1" dur="indefinite" restart="never" nodeType="tmRoot"/>
       </p:par>
     </p:tnLst>
   </p:timing>
